--- a/lecture-materials/Security/trusted_advisor/trusted_advisor.pptx
+++ b/lecture-materials/Security/trusted_advisor/trusted_advisor.pptx
@@ -9,11 +9,12 @@
     <p:sldId id="257" r:id="rId3"/>
     <p:sldId id="258" r:id="rId4"/>
     <p:sldId id="261" r:id="rId5"/>
-    <p:sldId id="262" r:id="rId6"/>
-    <p:sldId id="259" r:id="rId7"/>
-    <p:sldId id="260" r:id="rId8"/>
-    <p:sldId id="263" r:id="rId9"/>
-    <p:sldId id="264" r:id="rId10"/>
+    <p:sldId id="265" r:id="rId6"/>
+    <p:sldId id="262" r:id="rId7"/>
+    <p:sldId id="259" r:id="rId8"/>
+    <p:sldId id="260" r:id="rId9"/>
+    <p:sldId id="263" r:id="rId10"/>
+    <p:sldId id="264" r:id="rId11"/>
   </p:sldIdLst>
   <p:sldSz cx="12192000" cy="6858000"/>
   <p:notesSz cx="6858000" cy="9144000"/>
@@ -3152,7 +3153,7 @@
           <a:p>
             <a:fld id="{322C9020-58D6-4B4B-AE71-CBBD8D6FD410}" type="datetimeFigureOut">
               <a:rPr lang="en-CH" smtClean="0"/>
-              <a:t>03.09.23</a:t>
+              <a:t>13.01.2024</a:t>
             </a:fld>
             <a:endParaRPr lang="en-CH"/>
           </a:p>
@@ -3352,7 +3353,7 @@
           <a:p>
             <a:fld id="{322C9020-58D6-4B4B-AE71-CBBD8D6FD410}" type="datetimeFigureOut">
               <a:rPr lang="en-CH" smtClean="0"/>
-              <a:t>03.09.23</a:t>
+              <a:t>13.01.2024</a:t>
             </a:fld>
             <a:endParaRPr lang="en-CH"/>
           </a:p>
@@ -3562,7 +3563,7 @@
           <a:p>
             <a:fld id="{322C9020-58D6-4B4B-AE71-CBBD8D6FD410}" type="datetimeFigureOut">
               <a:rPr lang="en-CH" smtClean="0"/>
-              <a:t>03.09.23</a:t>
+              <a:t>13.01.2024</a:t>
             </a:fld>
             <a:endParaRPr lang="en-CH"/>
           </a:p>
@@ -3762,7 +3763,7 @@
           <a:p>
             <a:fld id="{322C9020-58D6-4B4B-AE71-CBBD8D6FD410}" type="datetimeFigureOut">
               <a:rPr lang="en-CH" smtClean="0"/>
-              <a:t>03.09.23</a:t>
+              <a:t>13.01.2024</a:t>
             </a:fld>
             <a:endParaRPr lang="en-CH"/>
           </a:p>
@@ -4038,7 +4039,7 @@
           <a:p>
             <a:fld id="{322C9020-58D6-4B4B-AE71-CBBD8D6FD410}" type="datetimeFigureOut">
               <a:rPr lang="en-CH" smtClean="0"/>
-              <a:t>03.09.23</a:t>
+              <a:t>13.01.2024</a:t>
             </a:fld>
             <a:endParaRPr lang="en-CH"/>
           </a:p>
@@ -4306,7 +4307,7 @@
           <a:p>
             <a:fld id="{322C9020-58D6-4B4B-AE71-CBBD8D6FD410}" type="datetimeFigureOut">
               <a:rPr lang="en-CH" smtClean="0"/>
-              <a:t>03.09.23</a:t>
+              <a:t>13.01.2024</a:t>
             </a:fld>
             <a:endParaRPr lang="en-CH"/>
           </a:p>
@@ -4721,7 +4722,7 @@
           <a:p>
             <a:fld id="{322C9020-58D6-4B4B-AE71-CBBD8D6FD410}" type="datetimeFigureOut">
               <a:rPr lang="en-CH" smtClean="0"/>
-              <a:t>03.09.23</a:t>
+              <a:t>13.01.2024</a:t>
             </a:fld>
             <a:endParaRPr lang="en-CH"/>
           </a:p>
@@ -4863,7 +4864,7 @@
           <a:p>
             <a:fld id="{322C9020-58D6-4B4B-AE71-CBBD8D6FD410}" type="datetimeFigureOut">
               <a:rPr lang="en-CH" smtClean="0"/>
-              <a:t>03.09.23</a:t>
+              <a:t>13.01.2024</a:t>
             </a:fld>
             <a:endParaRPr lang="en-CH"/>
           </a:p>
@@ -4976,7 +4977,7 @@
           <a:p>
             <a:fld id="{322C9020-58D6-4B4B-AE71-CBBD8D6FD410}" type="datetimeFigureOut">
               <a:rPr lang="en-CH" smtClean="0"/>
-              <a:t>03.09.23</a:t>
+              <a:t>13.01.2024</a:t>
             </a:fld>
             <a:endParaRPr lang="en-CH"/>
           </a:p>
@@ -5289,7 +5290,7 @@
           <a:p>
             <a:fld id="{322C9020-58D6-4B4B-AE71-CBBD8D6FD410}" type="datetimeFigureOut">
               <a:rPr lang="en-CH" smtClean="0"/>
-              <a:t>03.09.23</a:t>
+              <a:t>13.01.2024</a:t>
             </a:fld>
             <a:endParaRPr lang="en-CH"/>
           </a:p>
@@ -5578,7 +5579,7 @@
           <a:p>
             <a:fld id="{322C9020-58D6-4B4B-AE71-CBBD8D6FD410}" type="datetimeFigureOut">
               <a:rPr lang="en-CH" smtClean="0"/>
-              <a:t>03.09.23</a:t>
+              <a:t>13.01.2024</a:t>
             </a:fld>
             <a:endParaRPr lang="en-CH"/>
           </a:p>
@@ -5821,7 +5822,7 @@
           <a:p>
             <a:fld id="{322C9020-58D6-4B4B-AE71-CBBD8D6FD410}" type="datetimeFigureOut">
               <a:rPr lang="en-CH" smtClean="0"/>
-              <a:t>03.09.23</a:t>
+              <a:t>13.01.2024</a:t>
             </a:fld>
             <a:endParaRPr lang="en-CH"/>
           </a:p>
@@ -6895,6 +6896,204 @@
 </p:sld>
 </file>
 
+<file path=ppt/slides/slide10.xml><?xml version="1.0" encoding="utf-8"?>
+<p:sld xmlns:a="http://schemas.openxmlformats.org/drawingml/2006/main" xmlns:r="http://schemas.openxmlformats.org/officeDocument/2006/relationships" xmlns:p="http://schemas.openxmlformats.org/presentationml/2006/main">
+  <p:cSld>
+    <p:bg>
+      <p:bgPr>
+        <a:solidFill>
+          <a:schemeClr val="bg1"/>
+        </a:solidFill>
+        <a:effectLst/>
+      </p:bgPr>
+    </p:bg>
+    <p:spTree>
+      <p:nvGrpSpPr>
+        <p:cNvPr id="1" name=""/>
+        <p:cNvGrpSpPr/>
+        <p:nvPr/>
+      </p:nvGrpSpPr>
+      <p:grpSpPr>
+        <a:xfrm>
+          <a:off x="0" y="0"/>
+          <a:ext cx="0" cy="0"/>
+          <a:chOff x="0" y="0"/>
+          <a:chExt cx="0" cy="0"/>
+        </a:xfrm>
+      </p:grpSpPr>
+      <p:sp>
+        <p:nvSpPr>
+          <p:cNvPr id="7183" name="Rectangle 7174">
+            <a:extLst>
+              <a:ext uri="{FF2B5EF4-FFF2-40B4-BE49-F238E27FC236}">
+                <a16:creationId xmlns:a16="http://schemas.microsoft.com/office/drawing/2014/main" id="{A4AC5506-6312-4701-8D3C-40187889A947}"/>
+              </a:ext>
+              <a:ext uri="{C183D7F6-B498-43B3-948B-1728B52AA6E4}">
+                <adec:decorative xmlns:adec="http://schemas.microsoft.com/office/drawing/2017/decorative" val="1"/>
+              </a:ext>
+            </a:extLst>
+          </p:cNvPr>
+          <p:cNvSpPr>
+            <a:spLocks noGrp="1" noRot="1" noChangeAspect="1" noMove="1" noResize="1" noEditPoints="1" noAdjustHandles="1" noChangeArrowheads="1" noChangeShapeType="1" noTextEdit="1"/>
+          </p:cNvSpPr>
+          <p:nvPr>
+            <p:extLst>
+              <p:ext uri="{386F3935-93C4-4BCD-93E2-E3B085C9AB24}">
+                <p16:designElem xmlns:p16="http://schemas.microsoft.com/office/powerpoint/2015/main" val="1"/>
+              </p:ext>
+            </p:extLst>
+          </p:nvPr>
+        </p:nvSpPr>
+        <p:spPr>
+          <a:xfrm>
+            <a:off x="0" y="651752"/>
+            <a:ext cx="12192000" cy="736551"/>
+          </a:xfrm>
+          <a:prstGeom prst="rect">
+            <a:avLst/>
+          </a:prstGeom>
+          <a:solidFill>
+            <a:schemeClr val="tx1"/>
+          </a:solidFill>
+          <a:ln>
+            <a:noFill/>
+          </a:ln>
+        </p:spPr>
+        <p:style>
+          <a:lnRef idx="2">
+            <a:schemeClr val="accent1">
+              <a:shade val="50000"/>
+            </a:schemeClr>
+          </a:lnRef>
+          <a:fillRef idx="1">
+            <a:schemeClr val="accent1"/>
+          </a:fillRef>
+          <a:effectRef idx="0">
+            <a:schemeClr val="accent1"/>
+          </a:effectRef>
+          <a:fontRef idx="minor">
+            <a:schemeClr val="lt1"/>
+          </a:fontRef>
+        </p:style>
+        <p:txBody>
+          <a:bodyPr rtlCol="0" anchor="ctr"/>
+          <a:lstStyle/>
+          <a:p>
+            <a:pPr algn="ctr"/>
+            <a:endParaRPr lang="en-US"/>
+          </a:p>
+        </p:txBody>
+      </p:sp>
+      <p:sp>
+        <p:nvSpPr>
+          <p:cNvPr id="2" name="Title 1">
+            <a:extLst>
+              <a:ext uri="{FF2B5EF4-FFF2-40B4-BE49-F238E27FC236}">
+                <a16:creationId xmlns:a16="http://schemas.microsoft.com/office/drawing/2014/main" id="{FAF5ED6B-F868-E093-2CCB-AD6B68E9B727}"/>
+              </a:ext>
+            </a:extLst>
+          </p:cNvPr>
+          <p:cNvSpPr>
+            <a:spLocks noGrp="1"/>
+          </p:cNvSpPr>
+          <p:nvPr>
+            <p:ph type="title"/>
+          </p:nvPr>
+        </p:nvSpPr>
+        <p:spPr>
+          <a:xfrm>
+            <a:off x="556532" y="643467"/>
+            <a:ext cx="11210925" cy="744836"/>
+          </a:xfrm>
+        </p:spPr>
+        <p:txBody>
+          <a:bodyPr vert="horz" lIns="91440" tIns="45720" rIns="91440" bIns="45720" rtlCol="0" anchor="ctr">
+            <a:normAutofit/>
+          </a:bodyPr>
+          <a:lstStyle/>
+          <a:p>
+            <a:pPr algn="ctr"/>
+            <a:r>
+              <a:rPr lang="en-US" sz="3200" kern="1200">
+                <a:solidFill>
+                  <a:schemeClr val="bg1"/>
+                </a:solidFill>
+                <a:latin typeface="+mj-lt"/>
+                <a:ea typeface="+mj-ea"/>
+                <a:cs typeface="+mj-cs"/>
+              </a:rPr>
+              <a:t>Diagram</a:t>
+            </a:r>
+            <a:endParaRPr lang="en-US" sz="3200" kern="1200" dirty="0">
+              <a:solidFill>
+                <a:schemeClr val="bg1"/>
+              </a:solidFill>
+              <a:latin typeface="+mj-lt"/>
+              <a:ea typeface="+mj-ea"/>
+              <a:cs typeface="+mj-cs"/>
+            </a:endParaRPr>
+          </a:p>
+        </p:txBody>
+      </p:sp>
+      <p:pic>
+        <p:nvPicPr>
+          <p:cNvPr id="7170" name="Picture 2">
+            <a:extLst>
+              <a:ext uri="{FF2B5EF4-FFF2-40B4-BE49-F238E27FC236}">
+                <a16:creationId xmlns:a16="http://schemas.microsoft.com/office/drawing/2014/main" id="{3D6FAD04-1FE5-9C68-F0C3-FEBC1C963C16}"/>
+              </a:ext>
+            </a:extLst>
+          </p:cNvPr>
+          <p:cNvPicPr>
+            <a:picLocks noChangeAspect="1" noChangeArrowheads="1"/>
+          </p:cNvPicPr>
+          <p:nvPr/>
+        </p:nvPicPr>
+        <p:blipFill>
+          <a:blip r:embed="rId2">
+            <a:extLst>
+              <a:ext uri="{28A0092B-C50C-407E-A947-70E740481C1C}">
+                <a14:useLocalDpi xmlns:a14="http://schemas.microsoft.com/office/drawing/2010/main" val="0"/>
+              </a:ext>
+            </a:extLst>
+          </a:blip>
+          <a:stretch>
+            <a:fillRect/>
+          </a:stretch>
+        </p:blipFill>
+        <p:spPr bwMode="auto">
+          <a:xfrm>
+            <a:off x="2921329" y="1662870"/>
+            <a:ext cx="6349342" cy="4904866"/>
+          </a:xfrm>
+          <a:prstGeom prst="rect">
+            <a:avLst/>
+          </a:prstGeom>
+          <a:noFill/>
+          <a:extLst>
+            <a:ext uri="{909E8E84-426E-40DD-AFC4-6F175D3DCCD1}">
+              <a14:hiddenFill xmlns:a14="http://schemas.microsoft.com/office/drawing/2010/main">
+                <a:solidFill>
+                  <a:srgbClr val="FFFFFF"/>
+                </a:solidFill>
+              </a14:hiddenFill>
+            </a:ext>
+          </a:extLst>
+        </p:spPr>
+      </p:pic>
+    </p:spTree>
+    <p:extLst>
+      <p:ext uri="{BB962C8B-B14F-4D97-AF65-F5344CB8AC3E}">
+        <p14:creationId xmlns:p14="http://schemas.microsoft.com/office/powerpoint/2010/main" val="3797453840"/>
+      </p:ext>
+    </p:extLst>
+  </p:cSld>
+  <p:clrMapOvr>
+    <a:masterClrMapping/>
+  </p:clrMapOvr>
+</p:sld>
+</file>
+
 <file path=ppt/slides/slide2.xml><?xml version="1.0" encoding="utf-8"?>
 <p:sld xmlns:a="http://schemas.openxmlformats.org/drawingml/2006/main" xmlns:r="http://schemas.openxmlformats.org/officeDocument/2006/relationships" xmlns:p="http://schemas.openxmlformats.org/presentationml/2006/main">
   <p:cSld>
@@ -8232,14 +8431,13 @@
               <a:buNone/>
             </a:pPr>
             <a:r>
-              <a:rPr lang="en-GB" sz="1500" b="1" kern="1200" dirty="0">
+              <a:rPr lang="en-GB" sz="1600" b="1" kern="1200" dirty="0">
                 <a:solidFill>
                   <a:srgbClr val="232F3E"/>
                 </a:solidFill>
                 <a:highlight>
                   <a:srgbClr val="FFFF00"/>
                 </a:highlight>
-                <a:latin typeface="AmazonEmberBold"/>
                 <a:ea typeface="+mn-ea"/>
                 <a:cs typeface="+mn-cs"/>
               </a:rPr>
@@ -8254,33 +8452,30 @@
               <a:buNone/>
             </a:pPr>
             <a:r>
-              <a:rPr lang="en-GB" sz="1500" u="sng" kern="1200" dirty="0">
+              <a:rPr lang="en-GB" sz="1600" u="sng" kern="1200" dirty="0">
                 <a:solidFill>
                   <a:srgbClr val="333333"/>
                 </a:solidFill>
-                <a:latin typeface="AmazonEmber"/>
                 <a:ea typeface="+mn-ea"/>
                 <a:cs typeface="+mn-cs"/>
               </a:rPr>
               <a:t>Trusted Advisor can help you save cost with actionable recommendations by </a:t>
             </a:r>
             <a:r>
-              <a:rPr lang="en-GB" sz="1500" u="sng" kern="1200" dirty="0" err="1">
+              <a:rPr lang="en-GB" sz="1600" u="sng" kern="1200" dirty="0" err="1">
                 <a:solidFill>
                   <a:srgbClr val="333333"/>
                 </a:solidFill>
-                <a:latin typeface="AmazonEmber"/>
                 <a:ea typeface="+mn-ea"/>
                 <a:cs typeface="+mn-cs"/>
               </a:rPr>
               <a:t>analyzing</a:t>
             </a:r>
             <a:r>
-              <a:rPr lang="en-GB" sz="1500" u="sng" kern="1200" dirty="0">
+              <a:rPr lang="en-GB" sz="1600" u="sng" kern="1200" dirty="0">
                 <a:solidFill>
                   <a:srgbClr val="333333"/>
                 </a:solidFill>
-                <a:latin typeface="AmazonEmber"/>
                 <a:ea typeface="+mn-ea"/>
                 <a:cs typeface="+mn-cs"/>
               </a:rPr>
@@ -8295,33 +8490,30 @@
               <a:buNone/>
             </a:pPr>
             <a:r>
-              <a:rPr lang="en-GB" sz="1200" kern="1200" dirty="0">
+              <a:rPr lang="en-GB" sz="1600" kern="1200" dirty="0">
                 <a:solidFill>
                   <a:srgbClr val="333333"/>
                 </a:solidFill>
-                <a:latin typeface="AmazonEmber"/>
                 <a:ea typeface="+mn-ea"/>
                 <a:cs typeface="+mn-cs"/>
               </a:rPr>
               <a:t>Examples include identifying idle RDS DB instances, underutilized EBS volumes, </a:t>
             </a:r>
             <a:r>
-              <a:rPr lang="en-GB" sz="1200" kern="1200" dirty="0" err="1">
+              <a:rPr lang="en-GB" sz="1600" kern="1200" dirty="0" err="1">
                 <a:solidFill>
                   <a:srgbClr val="333333"/>
                 </a:solidFill>
-                <a:latin typeface="AmazonEmber"/>
                 <a:ea typeface="+mn-ea"/>
                 <a:cs typeface="+mn-cs"/>
               </a:rPr>
               <a:t>unassociated</a:t>
             </a:r>
             <a:r>
-              <a:rPr lang="en-GB" sz="1200" kern="1200" dirty="0">
+              <a:rPr lang="en-GB" sz="1600" kern="1200" dirty="0">
                 <a:solidFill>
                   <a:srgbClr val="333333"/>
                 </a:solidFill>
-                <a:latin typeface="AmazonEmber"/>
                 <a:ea typeface="+mn-ea"/>
                 <a:cs typeface="+mn-cs"/>
               </a:rPr>
@@ -8529,14 +8721,13 @@
               <a:buNone/>
             </a:pPr>
             <a:r>
-              <a:rPr lang="en-GB" sz="1500" b="1" kern="1200" dirty="0">
+              <a:rPr lang="en-GB" sz="1600" b="1" kern="1200" dirty="0">
                 <a:solidFill>
                   <a:srgbClr val="232F3E"/>
                 </a:solidFill>
                 <a:highlight>
                   <a:srgbClr val="FFFF00"/>
                 </a:highlight>
-                <a:latin typeface="AmazonEmberBold"/>
                 <a:ea typeface="+mn-ea"/>
                 <a:cs typeface="+mn-cs"/>
               </a:rPr>
@@ -8551,11 +8742,10 @@
               <a:buNone/>
             </a:pPr>
             <a:r>
-              <a:rPr lang="en-GB" sz="1500" u="sng" kern="1200" dirty="0">
+              <a:rPr lang="en-GB" sz="1600" u="sng" kern="1200" dirty="0">
                 <a:solidFill>
                   <a:srgbClr val="333333"/>
                 </a:solidFill>
-                <a:latin typeface="AmazonEmber"/>
                 <a:ea typeface="+mn-ea"/>
                 <a:cs typeface="+mn-cs"/>
               </a:rPr>
@@ -8569,11 +8759,10 @@
               </a:spcBef>
               <a:buNone/>
             </a:pPr>
-            <a:endParaRPr lang="en-GB" sz="1200" kern="1200" dirty="0">
+            <a:endParaRPr lang="en-GB" sz="1600" kern="1200" dirty="0">
               <a:solidFill>
                 <a:srgbClr val="333333"/>
               </a:solidFill>
-              <a:latin typeface="AmazonEmber"/>
               <a:ea typeface="+mn-ea"/>
               <a:cs typeface="+mn-cs"/>
             </a:endParaRPr>
@@ -8586,35 +8775,25 @@
               <a:buNone/>
             </a:pPr>
             <a:r>
-              <a:rPr lang="en-GB" sz="1200" kern="1200" dirty="0">
+              <a:rPr lang="en-GB" sz="1600" kern="1200" dirty="0">
                 <a:solidFill>
                   <a:srgbClr val="333333"/>
                 </a:solidFill>
-                <a:latin typeface="AmazonEmber"/>
                 <a:ea typeface="+mn-ea"/>
                 <a:cs typeface="+mn-cs"/>
               </a:rPr>
               <a:t>Examples include identifying RDS security group access risk, exposed access keys, and unnecessary S3 bucket permissions.</a:t>
             </a:r>
-            <a:endParaRPr lang="en-GB" sz="1500" kern="1200" dirty="0">
-              <a:solidFill>
-                <a:srgbClr val="333333"/>
-              </a:solidFill>
-              <a:latin typeface="AmazonEmber"/>
-              <a:ea typeface="+mn-ea"/>
-              <a:cs typeface="+mn-cs"/>
-            </a:endParaRPr>
           </a:p>
           <a:p>
             <a:pPr marL="0" indent="0" algn="l">
               <a:buNone/>
             </a:pPr>
-            <a:endParaRPr lang="en-GB" sz="1500" b="0" i="0" dirty="0">
+            <a:endParaRPr lang="en-GB" sz="1600" b="0" i="0" dirty="0">
               <a:solidFill>
                 <a:srgbClr val="333333"/>
               </a:solidFill>
               <a:effectLst/>
-              <a:latin typeface="AmazonEmber"/>
             </a:endParaRPr>
           </a:p>
         </p:txBody>
@@ -8818,14 +8997,13 @@
               <a:buNone/>
             </a:pPr>
             <a:r>
-              <a:rPr lang="en-GB" sz="1500" kern="1200" dirty="0">
+              <a:rPr lang="en-GB" sz="1600" b="1" kern="1200" dirty="0">
                 <a:solidFill>
                   <a:srgbClr val="232F3E"/>
                 </a:solidFill>
                 <a:highlight>
                   <a:srgbClr val="FFFF00"/>
                 </a:highlight>
-                <a:latin typeface="AmazonEmberBold"/>
                 <a:ea typeface="+mn-ea"/>
                 <a:cs typeface="+mn-cs"/>
               </a:rPr>
@@ -8840,33 +9018,30 @@
               <a:buNone/>
             </a:pPr>
             <a:r>
-              <a:rPr lang="en-GB" sz="1500" u="sng" kern="1200" dirty="0">
+              <a:rPr lang="en-GB" sz="1600" u="sng" kern="1200" dirty="0">
                 <a:solidFill>
                   <a:srgbClr val="333333"/>
                 </a:solidFill>
-                <a:latin typeface="AmazonEmber"/>
                 <a:ea typeface="+mn-ea"/>
                 <a:cs typeface="+mn-cs"/>
               </a:rPr>
               <a:t>Trusted Advisor can help improve the performance of your services with actionable recommendations by </a:t>
             </a:r>
             <a:r>
-              <a:rPr lang="en-GB" sz="1500" u="sng" kern="1200" dirty="0" err="1">
+              <a:rPr lang="en-GB" sz="1600" u="sng" kern="1200" dirty="0" err="1">
                 <a:solidFill>
                   <a:srgbClr val="333333"/>
                 </a:solidFill>
-                <a:latin typeface="AmazonEmber"/>
                 <a:ea typeface="+mn-ea"/>
                 <a:cs typeface="+mn-cs"/>
               </a:rPr>
               <a:t>analyzing</a:t>
             </a:r>
             <a:r>
-              <a:rPr lang="en-GB" sz="1500" u="sng" kern="1200" dirty="0">
+              <a:rPr lang="en-GB" sz="1600" u="sng" kern="1200" dirty="0">
                 <a:solidFill>
                   <a:srgbClr val="333333"/>
                 </a:solidFill>
-                <a:latin typeface="AmazonEmber"/>
                 <a:ea typeface="+mn-ea"/>
                 <a:cs typeface="+mn-cs"/>
               </a:rPr>
@@ -8881,44 +9056,40 @@
               <a:buNone/>
             </a:pPr>
             <a:r>
-              <a:rPr lang="en-GB" sz="1200" kern="1200" dirty="0">
+              <a:rPr lang="en-GB" sz="1600" kern="1200" dirty="0">
                 <a:solidFill>
                   <a:srgbClr val="333333"/>
                 </a:solidFill>
-                <a:latin typeface="AmazonEmber"/>
                 <a:ea typeface="+mn-ea"/>
                 <a:cs typeface="+mn-cs"/>
               </a:rPr>
               <a:t>Examples include </a:t>
             </a:r>
             <a:r>
-              <a:rPr lang="en-GB" sz="1200" kern="1200" dirty="0" err="1">
+              <a:rPr lang="en-GB" sz="1600" kern="1200" dirty="0" err="1">
                 <a:solidFill>
                   <a:srgbClr val="333333"/>
                 </a:solidFill>
-                <a:latin typeface="AmazonEmber"/>
                 <a:ea typeface="+mn-ea"/>
                 <a:cs typeface="+mn-cs"/>
               </a:rPr>
               <a:t>analyzing</a:t>
             </a:r>
             <a:r>
-              <a:rPr lang="en-GB" sz="1200" kern="1200" dirty="0">
+              <a:rPr lang="en-GB" sz="1600" kern="1200" dirty="0">
                 <a:solidFill>
                   <a:srgbClr val="333333"/>
                 </a:solidFill>
-                <a:latin typeface="AmazonEmber"/>
                 <a:ea typeface="+mn-ea"/>
                 <a:cs typeface="+mn-cs"/>
               </a:rPr>
               <a:t> EBS throughput and latency, compute usage of EC2 instances, and configurations on CloudFront.</a:t>
             </a:r>
-            <a:endParaRPr lang="en-GB" sz="1200" b="0" i="0" dirty="0">
+            <a:endParaRPr lang="en-GB" sz="1600" b="0" i="0" dirty="0">
               <a:solidFill>
                 <a:srgbClr val="333333"/>
               </a:solidFill>
               <a:effectLst/>
-              <a:latin typeface="AmazonEmber"/>
             </a:endParaRPr>
           </a:p>
         </p:txBody>
@@ -9122,14 +9293,13 @@
               <a:buNone/>
             </a:pPr>
             <a:r>
-              <a:rPr lang="en-GB" sz="1500" b="1" kern="1200" dirty="0">
+              <a:rPr lang="en-GB" sz="1600" b="1" kern="1200" dirty="0">
                 <a:solidFill>
                   <a:srgbClr val="232F3E"/>
                 </a:solidFill>
                 <a:highlight>
                   <a:srgbClr val="FFFF00"/>
                 </a:highlight>
-                <a:latin typeface="AmazonEmberBold"/>
                 <a:ea typeface="+mn-ea"/>
                 <a:cs typeface="+mn-cs"/>
               </a:rPr>
@@ -9144,11 +9314,10 @@
               <a:buNone/>
             </a:pPr>
             <a:r>
-              <a:rPr lang="en-GB" sz="1500" u="sng" kern="1200" dirty="0">
+              <a:rPr lang="en-GB" sz="1600" u="sng" kern="1200" dirty="0">
                 <a:solidFill>
                   <a:srgbClr val="333333"/>
                 </a:solidFill>
-                <a:latin typeface="AmazonEmber"/>
                 <a:ea typeface="+mn-ea"/>
                 <a:cs typeface="+mn-cs"/>
               </a:rPr>
@@ -9162,11 +9331,10 @@
               </a:spcBef>
               <a:buNone/>
             </a:pPr>
-            <a:endParaRPr lang="en-GB" sz="1200" kern="1200" dirty="0">
+            <a:endParaRPr lang="en-GB" sz="1600" kern="1200" dirty="0">
               <a:solidFill>
                 <a:srgbClr val="333333"/>
               </a:solidFill>
-              <a:latin typeface="AmazonEmber"/>
               <a:ea typeface="+mn-ea"/>
               <a:cs typeface="+mn-cs"/>
             </a:endParaRPr>
@@ -9179,33 +9347,452 @@
               <a:buNone/>
             </a:pPr>
             <a:r>
-              <a:rPr lang="en-GB" sz="1200" kern="1200" dirty="0">
+              <a:rPr lang="en-GB" sz="1600" kern="1200" dirty="0">
                 <a:solidFill>
                   <a:srgbClr val="333333"/>
                 </a:solidFill>
-                <a:latin typeface="AmazonEmber"/>
                 <a:ea typeface="+mn-ea"/>
                 <a:cs typeface="+mn-cs"/>
               </a:rPr>
               <a:t>Examples include examining Auto scaling EC2 groups, deleted health checks on Route 53, disabled Availability Zones, and disabled RDS backups.</a:t>
             </a:r>
             <a:br>
-              <a:rPr lang="en-GB" sz="1500" kern="1200" dirty="0">
+              <a:rPr lang="en-GB" sz="1600" kern="1200" dirty="0">
                 <a:solidFill>
                   <a:srgbClr val="333333"/>
                 </a:solidFill>
-                <a:latin typeface="AmazonEmber"/>
                 <a:ea typeface="+mn-ea"/>
                 <a:cs typeface="+mn-cs"/>
               </a:rPr>
             </a:br>
-            <a:endParaRPr lang="en-GB" sz="1500" b="0" i="0" dirty="0">
+            <a:endParaRPr lang="en-GB" sz="1600" b="0" i="0" dirty="0">
               <a:solidFill>
                 <a:srgbClr val="333333"/>
               </a:solidFill>
               <a:effectLst/>
-              <a:latin typeface="AmazonEmber"/>
             </a:endParaRPr>
+          </a:p>
+        </p:txBody>
+      </p:sp>
+    </p:spTree>
+    <p:extLst>
+      <p:ext uri="{BB962C8B-B14F-4D97-AF65-F5344CB8AC3E}">
+        <p14:creationId xmlns:p14="http://schemas.microsoft.com/office/powerpoint/2010/main" val="482406602"/>
+      </p:ext>
+    </p:extLst>
+  </p:cSld>
+  <p:clrMapOvr>
+    <a:masterClrMapping/>
+  </p:clrMapOvr>
+</p:sld>
+</file>
+
+<file path=ppt/slides/slide5.xml><?xml version="1.0" encoding="utf-8"?>
+<p:sld xmlns:a="http://schemas.openxmlformats.org/drawingml/2006/main" xmlns:r="http://schemas.openxmlformats.org/officeDocument/2006/relationships" xmlns:p="http://schemas.openxmlformats.org/presentationml/2006/main">
+  <p:cSld>
+    <p:bg>
+      <p:bgPr>
+        <a:solidFill>
+          <a:schemeClr val="bg1"/>
+        </a:solidFill>
+        <a:effectLst/>
+      </p:bgPr>
+    </p:bg>
+    <p:spTree>
+      <p:nvGrpSpPr>
+        <p:cNvPr id="1" name=""/>
+        <p:cNvGrpSpPr/>
+        <p:nvPr/>
+      </p:nvGrpSpPr>
+      <p:grpSpPr>
+        <a:xfrm>
+          <a:off x="0" y="0"/>
+          <a:ext cx="0" cy="0"/>
+          <a:chOff x="0" y="0"/>
+          <a:chExt cx="0" cy="0"/>
+        </a:xfrm>
+      </p:grpSpPr>
+      <p:sp useBgFill="1">
+        <p:nvSpPr>
+          <p:cNvPr id="1031" name="Rectangle 1030">
+            <a:extLst>
+              <a:ext uri="{FF2B5EF4-FFF2-40B4-BE49-F238E27FC236}">
+                <a16:creationId xmlns:a16="http://schemas.microsoft.com/office/drawing/2014/main" id="{2B97F24A-32CE-4C1C-A50D-3016B394DCFB}"/>
+              </a:ext>
+              <a:ext uri="{C183D7F6-B498-43B3-948B-1728B52AA6E4}">
+                <adec:decorative xmlns:adec="http://schemas.microsoft.com/office/drawing/2017/decorative" val="1"/>
+              </a:ext>
+            </a:extLst>
+          </p:cNvPr>
+          <p:cNvSpPr>
+            <a:spLocks noGrp="1" noRot="1" noChangeAspect="1" noMove="1" noResize="1" noEditPoints="1" noAdjustHandles="1" noChangeArrowheads="1" noChangeShapeType="1" noTextEdit="1"/>
+          </p:cNvSpPr>
+          <p:nvPr>
+            <p:extLst>
+              <p:ext uri="{386F3935-93C4-4BCD-93E2-E3B085C9AB24}">
+                <p16:designElem xmlns:p16="http://schemas.microsoft.com/office/powerpoint/2015/main" val="1"/>
+              </p:ext>
+            </p:extLst>
+          </p:nvPr>
+        </p:nvSpPr>
+        <p:spPr>
+          <a:xfrm>
+            <a:off x="0" y="0"/>
+            <a:ext cx="12192000" cy="6858000"/>
+          </a:xfrm>
+          <a:prstGeom prst="rect">
+            <a:avLst/>
+          </a:prstGeom>
+          <a:ln>
+            <a:noFill/>
+          </a:ln>
+        </p:spPr>
+        <p:style>
+          <a:lnRef idx="2">
+            <a:schemeClr val="accent1">
+              <a:shade val="50000"/>
+            </a:schemeClr>
+          </a:lnRef>
+          <a:fillRef idx="1">
+            <a:schemeClr val="accent1"/>
+          </a:fillRef>
+          <a:effectRef idx="0">
+            <a:schemeClr val="accent1"/>
+          </a:effectRef>
+          <a:fontRef idx="minor">
+            <a:schemeClr val="lt1"/>
+          </a:fontRef>
+        </p:style>
+        <p:txBody>
+          <a:bodyPr rtlCol="0" anchor="ctr"/>
+          <a:lstStyle/>
+          <a:p>
+            <a:pPr algn="ctr"/>
+            <a:endParaRPr lang="en-US"/>
+          </a:p>
+        </p:txBody>
+      </p:sp>
+      <p:sp>
+        <p:nvSpPr>
+          <p:cNvPr id="2" name="Title 1">
+            <a:extLst>
+              <a:ext uri="{FF2B5EF4-FFF2-40B4-BE49-F238E27FC236}">
+                <a16:creationId xmlns:a16="http://schemas.microsoft.com/office/drawing/2014/main" id="{B0A0200D-CF62-664C-6E91-86541BB2423D}"/>
+              </a:ext>
+            </a:extLst>
+          </p:cNvPr>
+          <p:cNvSpPr>
+            <a:spLocks noGrp="1"/>
+          </p:cNvSpPr>
+          <p:nvPr>
+            <p:ph type="title"/>
+          </p:nvPr>
+        </p:nvSpPr>
+        <p:spPr>
+          <a:xfrm>
+            <a:off x="630936" y="639520"/>
+            <a:ext cx="3429000" cy="1719072"/>
+          </a:xfrm>
+        </p:spPr>
+        <p:txBody>
+          <a:bodyPr vert="horz" lIns="91440" tIns="45720" rIns="91440" bIns="45720" rtlCol="0" anchor="b">
+            <a:normAutofit/>
+          </a:bodyPr>
+          <a:lstStyle/>
+          <a:p>
+            <a:r>
+              <a:rPr lang="en-US" sz="3800" b="1" i="0" kern="1200">
+                <a:solidFill>
+                  <a:schemeClr val="tx1"/>
+                </a:solidFill>
+                <a:effectLst/>
+                <a:latin typeface="+mj-lt"/>
+                <a:ea typeface="+mj-ea"/>
+                <a:cs typeface="+mj-cs"/>
+              </a:rPr>
+              <a:t>AWS Trusted Advisor: Service Quotas</a:t>
+            </a:r>
+            <a:endParaRPr lang="en-US" sz="3800" kern="1200">
+              <a:solidFill>
+                <a:schemeClr val="tx1"/>
+              </a:solidFill>
+              <a:latin typeface="+mj-lt"/>
+              <a:ea typeface="+mj-ea"/>
+              <a:cs typeface="+mj-cs"/>
+            </a:endParaRPr>
+          </a:p>
+        </p:txBody>
+      </p:sp>
+      <p:sp>
+        <p:nvSpPr>
+          <p:cNvPr id="1033" name="sketch line">
+            <a:extLst>
+              <a:ext uri="{FF2B5EF4-FFF2-40B4-BE49-F238E27FC236}">
+                <a16:creationId xmlns:a16="http://schemas.microsoft.com/office/drawing/2014/main" id="{CD8B4F24-440B-49E9-B85D-733523DC064B}"/>
+              </a:ext>
+              <a:ext uri="{C183D7F6-B498-43B3-948B-1728B52AA6E4}">
+                <adec:decorative xmlns:adec="http://schemas.microsoft.com/office/drawing/2017/decorative" val="1"/>
+              </a:ext>
+            </a:extLst>
+          </p:cNvPr>
+          <p:cNvSpPr>
+            <a:spLocks noGrp="1" noRot="1" noChangeAspect="1" noMove="1" noResize="1" noEditPoints="1" noAdjustHandles="1" noChangeArrowheads="1" noChangeShapeType="1" noTextEdit="1"/>
+          </p:cNvSpPr>
+          <p:nvPr>
+            <p:extLst>
+              <p:ext uri="{386F3935-93C4-4BCD-93E2-E3B085C9AB24}">
+                <p16:designElem xmlns:p16="http://schemas.microsoft.com/office/powerpoint/2015/main" val="1"/>
+              </p:ext>
+            </p:extLst>
+          </p:nvPr>
+        </p:nvSpPr>
+        <p:spPr>
+          <a:xfrm>
+            <a:off x="643278" y="2573756"/>
+            <a:ext cx="3255095" cy="18288"/>
+          </a:xfrm>
+          <a:custGeom>
+            <a:avLst/>
+            <a:gdLst>
+              <a:gd name="connsiteX0" fmla="*/ 0 w 3255095"/>
+              <a:gd name="connsiteY0" fmla="*/ 0 h 18288"/>
+              <a:gd name="connsiteX1" fmla="*/ 618468 w 3255095"/>
+              <a:gd name="connsiteY1" fmla="*/ 0 h 18288"/>
+              <a:gd name="connsiteX2" fmla="*/ 1269487 w 3255095"/>
+              <a:gd name="connsiteY2" fmla="*/ 0 h 18288"/>
+              <a:gd name="connsiteX3" fmla="*/ 1953057 w 3255095"/>
+              <a:gd name="connsiteY3" fmla="*/ 0 h 18288"/>
+              <a:gd name="connsiteX4" fmla="*/ 2636627 w 3255095"/>
+              <a:gd name="connsiteY4" fmla="*/ 0 h 18288"/>
+              <a:gd name="connsiteX5" fmla="*/ 3255095 w 3255095"/>
+              <a:gd name="connsiteY5" fmla="*/ 0 h 18288"/>
+              <a:gd name="connsiteX6" fmla="*/ 3255095 w 3255095"/>
+              <a:gd name="connsiteY6" fmla="*/ 18288 h 18288"/>
+              <a:gd name="connsiteX7" fmla="*/ 2538974 w 3255095"/>
+              <a:gd name="connsiteY7" fmla="*/ 18288 h 18288"/>
+              <a:gd name="connsiteX8" fmla="*/ 1822853 w 3255095"/>
+              <a:gd name="connsiteY8" fmla="*/ 18288 h 18288"/>
+              <a:gd name="connsiteX9" fmla="*/ 1171834 w 3255095"/>
+              <a:gd name="connsiteY9" fmla="*/ 18288 h 18288"/>
+              <a:gd name="connsiteX10" fmla="*/ 0 w 3255095"/>
+              <a:gd name="connsiteY10" fmla="*/ 18288 h 18288"/>
+              <a:gd name="connsiteX11" fmla="*/ 0 w 3255095"/>
+              <a:gd name="connsiteY11" fmla="*/ 0 h 18288"/>
+            </a:gdLst>
+            <a:ahLst/>
+            <a:cxnLst>
+              <a:cxn ang="0">
+                <a:pos x="connsiteX0" y="connsiteY0"/>
+              </a:cxn>
+              <a:cxn ang="0">
+                <a:pos x="connsiteX1" y="connsiteY1"/>
+              </a:cxn>
+              <a:cxn ang="0">
+                <a:pos x="connsiteX2" y="connsiteY2"/>
+              </a:cxn>
+              <a:cxn ang="0">
+                <a:pos x="connsiteX3" y="connsiteY3"/>
+              </a:cxn>
+              <a:cxn ang="0">
+                <a:pos x="connsiteX4" y="connsiteY4"/>
+              </a:cxn>
+              <a:cxn ang="0">
+                <a:pos x="connsiteX5" y="connsiteY5"/>
+              </a:cxn>
+              <a:cxn ang="0">
+                <a:pos x="connsiteX6" y="connsiteY6"/>
+              </a:cxn>
+              <a:cxn ang="0">
+                <a:pos x="connsiteX7" y="connsiteY7"/>
+              </a:cxn>
+              <a:cxn ang="0">
+                <a:pos x="connsiteX8" y="connsiteY8"/>
+              </a:cxn>
+              <a:cxn ang="0">
+                <a:pos x="connsiteX9" y="connsiteY9"/>
+              </a:cxn>
+              <a:cxn ang="0">
+                <a:pos x="connsiteX10" y="connsiteY10"/>
+              </a:cxn>
+              <a:cxn ang="0">
+                <a:pos x="connsiteX11" y="connsiteY11"/>
+              </a:cxn>
+            </a:cxnLst>
+            <a:rect l="l" t="t" r="r" b="b"/>
+            <a:pathLst>
+              <a:path w="3255095" h="18288" fill="none" extrusionOk="0">
+                <a:moveTo>
+                  <a:pt x="0" y="0"/>
+                </a:moveTo>
+                <a:cubicBezTo>
+                  <a:pt x="240201" y="-22123"/>
+                  <a:pt x="462021" y="-19623"/>
+                  <a:pt x="618468" y="0"/>
+                </a:cubicBezTo>
+                <a:cubicBezTo>
+                  <a:pt x="774915" y="19623"/>
+                  <a:pt x="974734" y="2035"/>
+                  <a:pt x="1269487" y="0"/>
+                </a:cubicBezTo>
+                <a:cubicBezTo>
+                  <a:pt x="1564240" y="-2035"/>
+                  <a:pt x="1733579" y="10639"/>
+                  <a:pt x="1953057" y="0"/>
+                </a:cubicBezTo>
+                <a:cubicBezTo>
+                  <a:pt x="2172535" y="-10639"/>
+                  <a:pt x="2453962" y="14018"/>
+                  <a:pt x="2636627" y="0"/>
+                </a:cubicBezTo>
+                <a:cubicBezTo>
+                  <a:pt x="2819292" y="-14018"/>
+                  <a:pt x="3121375" y="5399"/>
+                  <a:pt x="3255095" y="0"/>
+                </a:cubicBezTo>
+                <a:cubicBezTo>
+                  <a:pt x="3254386" y="8157"/>
+                  <a:pt x="3254682" y="12125"/>
+                  <a:pt x="3255095" y="18288"/>
+                </a:cubicBezTo>
+                <a:cubicBezTo>
+                  <a:pt x="3088545" y="23203"/>
+                  <a:pt x="2687475" y="7419"/>
+                  <a:pt x="2538974" y="18288"/>
+                </a:cubicBezTo>
+                <a:cubicBezTo>
+                  <a:pt x="2390473" y="29157"/>
+                  <a:pt x="2137381" y="-8959"/>
+                  <a:pt x="1822853" y="18288"/>
+                </a:cubicBezTo>
+                <a:cubicBezTo>
+                  <a:pt x="1508325" y="45535"/>
+                  <a:pt x="1466437" y="20385"/>
+                  <a:pt x="1171834" y="18288"/>
+                </a:cubicBezTo>
+                <a:cubicBezTo>
+                  <a:pt x="877231" y="16191"/>
+                  <a:pt x="561097" y="37643"/>
+                  <a:pt x="0" y="18288"/>
+                </a:cubicBezTo>
+                <a:cubicBezTo>
+                  <a:pt x="-46" y="12483"/>
+                  <a:pt x="-203" y="6491"/>
+                  <a:pt x="0" y="0"/>
+                </a:cubicBezTo>
+                <a:close/>
+              </a:path>
+              <a:path w="3255095" h="18288" stroke="0" extrusionOk="0">
+                <a:moveTo>
+                  <a:pt x="0" y="0"/>
+                </a:moveTo>
+                <a:cubicBezTo>
+                  <a:pt x="291965" y="19429"/>
+                  <a:pt x="363155" y="8568"/>
+                  <a:pt x="618468" y="0"/>
+                </a:cubicBezTo>
+                <a:cubicBezTo>
+                  <a:pt x="873781" y="-8568"/>
+                  <a:pt x="904459" y="-19505"/>
+                  <a:pt x="1171834" y="0"/>
+                </a:cubicBezTo>
+                <a:cubicBezTo>
+                  <a:pt x="1439209" y="19505"/>
+                  <a:pt x="1744369" y="9790"/>
+                  <a:pt x="1887955" y="0"/>
+                </a:cubicBezTo>
+                <a:cubicBezTo>
+                  <a:pt x="2031541" y="-9790"/>
+                  <a:pt x="2346378" y="21240"/>
+                  <a:pt x="2506423" y="0"/>
+                </a:cubicBezTo>
+                <a:cubicBezTo>
+                  <a:pt x="2666468" y="-21240"/>
+                  <a:pt x="2990257" y="30414"/>
+                  <a:pt x="3255095" y="0"/>
+                </a:cubicBezTo>
+                <a:cubicBezTo>
+                  <a:pt x="3254831" y="4493"/>
+                  <a:pt x="3255479" y="9472"/>
+                  <a:pt x="3255095" y="18288"/>
+                </a:cubicBezTo>
+                <a:cubicBezTo>
+                  <a:pt x="3120743" y="16690"/>
+                  <a:pt x="2759628" y="42462"/>
+                  <a:pt x="2604076" y="18288"/>
+                </a:cubicBezTo>
+                <a:cubicBezTo>
+                  <a:pt x="2448524" y="-5886"/>
+                  <a:pt x="2184336" y="19599"/>
+                  <a:pt x="1887955" y="18288"/>
+                </a:cubicBezTo>
+                <a:cubicBezTo>
+                  <a:pt x="1591574" y="16977"/>
+                  <a:pt x="1548845" y="6870"/>
+                  <a:pt x="1334589" y="18288"/>
+                </a:cubicBezTo>
+                <a:cubicBezTo>
+                  <a:pt x="1120333" y="29706"/>
+                  <a:pt x="996014" y="9662"/>
+                  <a:pt x="683570" y="18288"/>
+                </a:cubicBezTo>
+                <a:cubicBezTo>
+                  <a:pt x="371126" y="26914"/>
+                  <a:pt x="198687" y="16167"/>
+                  <a:pt x="0" y="18288"/>
+                </a:cubicBezTo>
+                <a:cubicBezTo>
+                  <a:pt x="843" y="9577"/>
+                  <a:pt x="371" y="6900"/>
+                  <a:pt x="0" y="0"/>
+                </a:cubicBezTo>
+                <a:close/>
+              </a:path>
+            </a:pathLst>
+          </a:custGeom>
+          <a:solidFill>
+            <a:schemeClr val="accent2"/>
+          </a:solidFill>
+          <a:ln w="38100" cap="rnd">
+            <a:solidFill>
+              <a:schemeClr val="accent2"/>
+            </a:solidFill>
+            <a:round/>
+            <a:extLst>
+              <a:ext uri="{C807C97D-BFC1-408E-A445-0C87EB9F89A2}">
+                <ask:lineSketchStyleProps xmlns:ask="http://schemas.microsoft.com/office/drawing/2018/sketchyshapes" sd="1219033472">
+                  <a:prstGeom prst="rect">
+                    <a:avLst/>
+                  </a:prstGeom>
+                  <ask:type>
+                    <ask:lineSketchFreehand/>
+                  </ask:type>
+                </ask:lineSketchStyleProps>
+              </a:ext>
+            </a:extLst>
+          </a:ln>
+        </p:spPr>
+        <p:style>
+          <a:lnRef idx="2">
+            <a:schemeClr val="accent1">
+              <a:shade val="50000"/>
+            </a:schemeClr>
+          </a:lnRef>
+          <a:fillRef idx="1">
+            <a:schemeClr val="accent1"/>
+          </a:fillRef>
+          <a:effectRef idx="0">
+            <a:schemeClr val="accent1"/>
+          </a:effectRef>
+          <a:fontRef idx="minor">
+            <a:schemeClr val="lt1"/>
+          </a:fontRef>
+        </p:style>
+        <p:txBody>
+          <a:bodyPr rtlCol="0" anchor="ctr"/>
+          <a:lstStyle/>
+          <a:p>
+            <a:pPr algn="ctr"/>
+            <a:endParaRPr lang="en-US"/>
           </a:p>
         </p:txBody>
       </p:sp>
@@ -9224,17 +9811,17 @@
           <p:nvPr/>
         </p:nvSpPr>
         <p:spPr>
-          <a:xfrm flipH="1">
-            <a:off x="2362601" y="4847137"/>
-            <a:ext cx="7458295" cy="1754434"/>
+          <a:xfrm>
+            <a:off x="630936" y="2807208"/>
+            <a:ext cx="3429000" cy="3410712"/>
           </a:xfrm>
           <a:prstGeom prst="rect">
             <a:avLst/>
           </a:prstGeom>
         </p:spPr>
         <p:txBody>
-          <a:bodyPr vert="horz" lIns="91440" tIns="45720" rIns="91440" bIns="45720" rtlCol="0">
-            <a:noAutofit/>
+          <a:bodyPr vert="horz" lIns="91440" tIns="45720" rIns="91440" bIns="45720" rtlCol="0" anchor="t">
+            <a:normAutofit/>
           </a:bodyPr>
           <a:lstStyle>
             <a:lvl1pPr marL="228600" indent="-228600" algn="l" defTabSz="914400" rtl="0" eaLnBrk="1" latinLnBrk="0" hangingPunct="1">
@@ -9401,117 +9988,108 @@
             </a:lvl9pPr>
           </a:lstStyle>
           <a:p>
-            <a:pPr marL="0" indent="0" defTabSz="740664">
+            <a:pPr marL="0">
               <a:spcBef>
                 <a:spcPts val="810"/>
               </a:spcBef>
-              <a:buNone/>
             </a:pPr>
             <a:r>
-              <a:rPr lang="en-GB" sz="1500" b="1" kern="1200" dirty="0">
-                <a:solidFill>
-                  <a:srgbClr val="232F3E"/>
-                </a:solidFill>
+              <a:rPr lang="en-US" sz="1500" b="1">
                 <a:highlight>
                   <a:srgbClr val="FFFF00"/>
                 </a:highlight>
-                <a:latin typeface="AmazonEmberBold"/>
-                <a:ea typeface="+mn-ea"/>
-                <a:cs typeface="+mn-cs"/>
               </a:rPr>
               <a:t>Service quotas</a:t>
             </a:r>
           </a:p>
           <a:p>
-            <a:pPr marL="0" indent="0" defTabSz="740664">
+            <a:pPr marL="0">
               <a:spcBef>
                 <a:spcPts val="810"/>
               </a:spcBef>
-              <a:buNone/>
             </a:pPr>
             <a:r>
-              <a:rPr lang="en-GB" sz="1500" kern="1200" dirty="0">
-                <a:solidFill>
-                  <a:srgbClr val="333333"/>
-                </a:solidFill>
-                <a:latin typeface="AmazonEmber"/>
-                <a:ea typeface="+mn-ea"/>
-                <a:cs typeface="+mn-cs"/>
-              </a:rPr>
-              <a:t>Service quotas are the maximum number of resources that you can create in an AWS account.  AWS implements quotas to provide highly available and reliable service to all customers</a:t>
+              <a:rPr lang="en-US" sz="1500"/>
+              <a:t>Service quotas are the maximum number of resources that you can create in an AWS account.  AWS implements quotas to provide highly available and reliable service to all customers and protects you from unintentional spend.</a:t>
             </a:r>
-            <a:r>
-              <a:rPr lang="en-GB" sz="1500" dirty="0">
-                <a:solidFill>
-                  <a:srgbClr val="333333"/>
-                </a:solidFill>
-                <a:latin typeface="AmazonEmber"/>
-              </a:rPr>
-              <a:t> a</a:t>
-            </a:r>
-            <a:r>
-              <a:rPr lang="en-GB" sz="1500" kern="1200" dirty="0">
-                <a:solidFill>
-                  <a:srgbClr val="333333"/>
-                </a:solidFill>
-                <a:latin typeface="AmazonEmber"/>
-                <a:ea typeface="+mn-ea"/>
-                <a:cs typeface="+mn-cs"/>
-              </a:rPr>
-              <a:t>nd protects you from unintentional spend.</a:t>
-            </a:r>
-          </a:p>
-          <a:p>
-            <a:pPr marL="0" indent="0" defTabSz="740664">
+          </a:p>
+          <a:p>
+            <a:pPr marL="0">
               <a:spcBef>
                 <a:spcPts val="810"/>
               </a:spcBef>
-              <a:buNone/>
             </a:pPr>
             <a:r>
-              <a:rPr lang="en-GB" sz="1500" kern="1200" dirty="0">
-                <a:solidFill>
-                  <a:srgbClr val="333333"/>
-                </a:solidFill>
-                <a:latin typeface="AmazonEmber"/>
-                <a:ea typeface="+mn-ea"/>
-                <a:cs typeface="+mn-cs"/>
-              </a:rPr>
+              <a:rPr lang="en-US" sz="1500"/>
               <a:t>Trusted Advisor will notify you once you reach more than 80% of a service quota. </a:t>
             </a:r>
           </a:p>
           <a:p>
-            <a:pPr marL="0" indent="0" defTabSz="740664">
+            <a:pPr marL="0">
               <a:spcBef>
                 <a:spcPts val="810"/>
               </a:spcBef>
-              <a:buNone/>
             </a:pPr>
             <a:r>
-              <a:rPr lang="en-GB" sz="1500" kern="1200" dirty="0">
-                <a:solidFill>
-                  <a:srgbClr val="333333"/>
-                </a:solidFill>
-                <a:latin typeface="AmazonEmber"/>
-                <a:ea typeface="+mn-ea"/>
-                <a:cs typeface="+mn-cs"/>
-              </a:rPr>
+              <a:rPr lang="en-US" sz="1500"/>
               <a:t>You can then follow recommendations to delete resources or request a quota increase.</a:t>
             </a:r>
-            <a:endParaRPr lang="en-GB" sz="1500" b="0" i="0" dirty="0">
-              <a:solidFill>
-                <a:srgbClr val="333333"/>
-              </a:solidFill>
+            <a:endParaRPr lang="en-US" sz="1500" b="0" i="0">
               <a:effectLst/>
-              <a:latin typeface="AmazonEmber"/>
             </a:endParaRPr>
           </a:p>
         </p:txBody>
       </p:sp>
+      <p:pic>
+        <p:nvPicPr>
+          <p:cNvPr id="1026" name="Picture 2" descr="A screenshot of a computer&#10;&#10;Description automatically generated">
+            <a:extLst>
+              <a:ext uri="{FF2B5EF4-FFF2-40B4-BE49-F238E27FC236}">
+                <a16:creationId xmlns:a16="http://schemas.microsoft.com/office/drawing/2014/main" id="{648229C6-9293-5066-E679-972F2512BD4B}"/>
+              </a:ext>
+            </a:extLst>
+          </p:cNvPr>
+          <p:cNvPicPr>
+            <a:picLocks noChangeAspect="1" noChangeArrowheads="1"/>
+          </p:cNvPicPr>
+          <p:nvPr/>
+        </p:nvPicPr>
+        <p:blipFill>
+          <a:blip r:embed="rId2">
+            <a:extLst>
+              <a:ext uri="{28A0092B-C50C-407E-A947-70E740481C1C}">
+                <a14:useLocalDpi xmlns:a14="http://schemas.microsoft.com/office/drawing/2010/main" val="0"/>
+              </a:ext>
+            </a:extLst>
+          </a:blip>
+          <a:stretch>
+            <a:fillRect/>
+          </a:stretch>
+        </p:blipFill>
+        <p:spPr bwMode="auto">
+          <a:xfrm>
+            <a:off x="4654296" y="1772107"/>
+            <a:ext cx="6903720" cy="3313785"/>
+          </a:xfrm>
+          <a:prstGeom prst="rect">
+            <a:avLst/>
+          </a:prstGeom>
+          <a:noFill/>
+          <a:extLst>
+            <a:ext uri="{909E8E84-426E-40DD-AFC4-6F175D3DCCD1}">
+              <a14:hiddenFill xmlns:a14="http://schemas.microsoft.com/office/drawing/2010/main">
+                <a:solidFill>
+                  <a:srgbClr val="FFFFFF"/>
+                </a:solidFill>
+              </a14:hiddenFill>
+            </a:ext>
+          </a:extLst>
+        </p:spPr>
+      </p:pic>
     </p:spTree>
     <p:extLst>
       <p:ext uri="{BB962C8B-B14F-4D97-AF65-F5344CB8AC3E}">
-        <p14:creationId xmlns:p14="http://schemas.microsoft.com/office/powerpoint/2010/main" val="482406602"/>
+        <p14:creationId xmlns:p14="http://schemas.microsoft.com/office/powerpoint/2010/main" val="2890815459"/>
       </p:ext>
     </p:extLst>
   </p:cSld>
@@ -9521,7 +10099,7 @@
 </p:sld>
 </file>
 
-<file path=ppt/slides/slide5.xml><?xml version="1.0" encoding="utf-8"?>
+<file path=ppt/slides/slide6.xml><?xml version="1.0" encoding="utf-8"?>
 <p:sld xmlns:a="http://schemas.openxmlformats.org/drawingml/2006/main" xmlns:r="http://schemas.openxmlformats.org/officeDocument/2006/relationships" xmlns:p="http://schemas.openxmlformats.org/presentationml/2006/main">
   <p:cSld>
     <p:bg>
@@ -12095,7 +12673,7 @@
 </p:sld>
 </file>
 
-<file path=ppt/slides/slide6.xml><?xml version="1.0" encoding="utf-8"?>
+<file path=ppt/slides/slide7.xml><?xml version="1.0" encoding="utf-8"?>
 <p:sld xmlns:a="http://schemas.openxmlformats.org/drawingml/2006/main" xmlns:r="http://schemas.openxmlformats.org/officeDocument/2006/relationships" xmlns:p="http://schemas.openxmlformats.org/presentationml/2006/main">
   <p:cSld>
     <p:bg>
@@ -13048,7 +13626,7 @@
 </p:sld>
 </file>
 
-<file path=ppt/slides/slide7.xml><?xml version="1.0" encoding="utf-8"?>
+<file path=ppt/slides/slide8.xml><?xml version="1.0" encoding="utf-8"?>
 <p:sld xmlns:a="http://schemas.openxmlformats.org/drawingml/2006/main" xmlns:r="http://schemas.openxmlformats.org/officeDocument/2006/relationships" xmlns:p="http://schemas.openxmlformats.org/presentationml/2006/main">
   <p:cSld>
     <p:bg>
@@ -14400,7 +14978,7 @@
 </p:sld>
 </file>
 
-<file path=ppt/slides/slide8.xml><?xml version="1.0" encoding="utf-8"?>
+<file path=ppt/slides/slide9.xml><?xml version="1.0" encoding="utf-8"?>
 <p:sld xmlns:a="http://schemas.openxmlformats.org/drawingml/2006/main" xmlns:r="http://schemas.openxmlformats.org/officeDocument/2006/relationships" xmlns:p="http://schemas.openxmlformats.org/presentationml/2006/main">
   <p:cSld>
     <p:bg>
@@ -14581,204 +15159,6 @@
     <p:extLst>
       <p:ext uri="{BB962C8B-B14F-4D97-AF65-F5344CB8AC3E}">
         <p14:creationId xmlns:p14="http://schemas.microsoft.com/office/powerpoint/2010/main" val="3586448831"/>
-      </p:ext>
-    </p:extLst>
-  </p:cSld>
-  <p:clrMapOvr>
-    <a:masterClrMapping/>
-  </p:clrMapOvr>
-</p:sld>
-</file>
-
-<file path=ppt/slides/slide9.xml><?xml version="1.0" encoding="utf-8"?>
-<p:sld xmlns:a="http://schemas.openxmlformats.org/drawingml/2006/main" xmlns:r="http://schemas.openxmlformats.org/officeDocument/2006/relationships" xmlns:p="http://schemas.openxmlformats.org/presentationml/2006/main">
-  <p:cSld>
-    <p:bg>
-      <p:bgPr>
-        <a:solidFill>
-          <a:schemeClr val="bg1"/>
-        </a:solidFill>
-        <a:effectLst/>
-      </p:bgPr>
-    </p:bg>
-    <p:spTree>
-      <p:nvGrpSpPr>
-        <p:cNvPr id="1" name=""/>
-        <p:cNvGrpSpPr/>
-        <p:nvPr/>
-      </p:nvGrpSpPr>
-      <p:grpSpPr>
-        <a:xfrm>
-          <a:off x="0" y="0"/>
-          <a:ext cx="0" cy="0"/>
-          <a:chOff x="0" y="0"/>
-          <a:chExt cx="0" cy="0"/>
-        </a:xfrm>
-      </p:grpSpPr>
-      <p:sp>
-        <p:nvSpPr>
-          <p:cNvPr id="7183" name="Rectangle 7174">
-            <a:extLst>
-              <a:ext uri="{FF2B5EF4-FFF2-40B4-BE49-F238E27FC236}">
-                <a16:creationId xmlns:a16="http://schemas.microsoft.com/office/drawing/2014/main" id="{A4AC5506-6312-4701-8D3C-40187889A947}"/>
-              </a:ext>
-              <a:ext uri="{C183D7F6-B498-43B3-948B-1728B52AA6E4}">
-                <adec:decorative xmlns:adec="http://schemas.microsoft.com/office/drawing/2017/decorative" val="1"/>
-              </a:ext>
-            </a:extLst>
-          </p:cNvPr>
-          <p:cNvSpPr>
-            <a:spLocks noGrp="1" noRot="1" noChangeAspect="1" noMove="1" noResize="1" noEditPoints="1" noAdjustHandles="1" noChangeArrowheads="1" noChangeShapeType="1" noTextEdit="1"/>
-          </p:cNvSpPr>
-          <p:nvPr>
-            <p:extLst>
-              <p:ext uri="{386F3935-93C4-4BCD-93E2-E3B085C9AB24}">
-                <p16:designElem xmlns:p16="http://schemas.microsoft.com/office/powerpoint/2015/main" val="1"/>
-              </p:ext>
-            </p:extLst>
-          </p:nvPr>
-        </p:nvSpPr>
-        <p:spPr>
-          <a:xfrm>
-            <a:off x="0" y="651752"/>
-            <a:ext cx="12192000" cy="736551"/>
-          </a:xfrm>
-          <a:prstGeom prst="rect">
-            <a:avLst/>
-          </a:prstGeom>
-          <a:solidFill>
-            <a:schemeClr val="tx1"/>
-          </a:solidFill>
-          <a:ln>
-            <a:noFill/>
-          </a:ln>
-        </p:spPr>
-        <p:style>
-          <a:lnRef idx="2">
-            <a:schemeClr val="accent1">
-              <a:shade val="50000"/>
-            </a:schemeClr>
-          </a:lnRef>
-          <a:fillRef idx="1">
-            <a:schemeClr val="accent1"/>
-          </a:fillRef>
-          <a:effectRef idx="0">
-            <a:schemeClr val="accent1"/>
-          </a:effectRef>
-          <a:fontRef idx="minor">
-            <a:schemeClr val="lt1"/>
-          </a:fontRef>
-        </p:style>
-        <p:txBody>
-          <a:bodyPr rtlCol="0" anchor="ctr"/>
-          <a:lstStyle/>
-          <a:p>
-            <a:pPr algn="ctr"/>
-            <a:endParaRPr lang="en-US"/>
-          </a:p>
-        </p:txBody>
-      </p:sp>
-      <p:sp>
-        <p:nvSpPr>
-          <p:cNvPr id="2" name="Title 1">
-            <a:extLst>
-              <a:ext uri="{FF2B5EF4-FFF2-40B4-BE49-F238E27FC236}">
-                <a16:creationId xmlns:a16="http://schemas.microsoft.com/office/drawing/2014/main" id="{FAF5ED6B-F868-E093-2CCB-AD6B68E9B727}"/>
-              </a:ext>
-            </a:extLst>
-          </p:cNvPr>
-          <p:cNvSpPr>
-            <a:spLocks noGrp="1"/>
-          </p:cNvSpPr>
-          <p:nvPr>
-            <p:ph type="title"/>
-          </p:nvPr>
-        </p:nvSpPr>
-        <p:spPr>
-          <a:xfrm>
-            <a:off x="556532" y="643467"/>
-            <a:ext cx="11210925" cy="744836"/>
-          </a:xfrm>
-        </p:spPr>
-        <p:txBody>
-          <a:bodyPr vert="horz" lIns="91440" tIns="45720" rIns="91440" bIns="45720" rtlCol="0" anchor="ctr">
-            <a:normAutofit/>
-          </a:bodyPr>
-          <a:lstStyle/>
-          <a:p>
-            <a:pPr algn="ctr"/>
-            <a:r>
-              <a:rPr lang="en-US" sz="3200" kern="1200">
-                <a:solidFill>
-                  <a:schemeClr val="bg1"/>
-                </a:solidFill>
-                <a:latin typeface="+mj-lt"/>
-                <a:ea typeface="+mj-ea"/>
-                <a:cs typeface="+mj-cs"/>
-              </a:rPr>
-              <a:t>Diagram</a:t>
-            </a:r>
-            <a:endParaRPr lang="en-US" sz="3200" kern="1200" dirty="0">
-              <a:solidFill>
-                <a:schemeClr val="bg1"/>
-              </a:solidFill>
-              <a:latin typeface="+mj-lt"/>
-              <a:ea typeface="+mj-ea"/>
-              <a:cs typeface="+mj-cs"/>
-            </a:endParaRPr>
-          </a:p>
-        </p:txBody>
-      </p:sp>
-      <p:pic>
-        <p:nvPicPr>
-          <p:cNvPr id="7170" name="Picture 2">
-            <a:extLst>
-              <a:ext uri="{FF2B5EF4-FFF2-40B4-BE49-F238E27FC236}">
-                <a16:creationId xmlns:a16="http://schemas.microsoft.com/office/drawing/2014/main" id="{3D6FAD04-1FE5-9C68-F0C3-FEBC1C963C16}"/>
-              </a:ext>
-            </a:extLst>
-          </p:cNvPr>
-          <p:cNvPicPr>
-            <a:picLocks noChangeAspect="1" noChangeArrowheads="1"/>
-          </p:cNvPicPr>
-          <p:nvPr/>
-        </p:nvPicPr>
-        <p:blipFill>
-          <a:blip r:embed="rId2">
-            <a:extLst>
-              <a:ext uri="{28A0092B-C50C-407E-A947-70E740481C1C}">
-                <a14:useLocalDpi xmlns:a14="http://schemas.microsoft.com/office/drawing/2010/main" val="0"/>
-              </a:ext>
-            </a:extLst>
-          </a:blip>
-          <a:stretch>
-            <a:fillRect/>
-          </a:stretch>
-        </p:blipFill>
-        <p:spPr bwMode="auto">
-          <a:xfrm>
-            <a:off x="2921329" y="1662870"/>
-            <a:ext cx="6349342" cy="4904866"/>
-          </a:xfrm>
-          <a:prstGeom prst="rect">
-            <a:avLst/>
-          </a:prstGeom>
-          <a:noFill/>
-          <a:extLst>
-            <a:ext uri="{909E8E84-426E-40DD-AFC4-6F175D3DCCD1}">
-              <a14:hiddenFill xmlns:a14="http://schemas.microsoft.com/office/drawing/2010/main">
-                <a:solidFill>
-                  <a:srgbClr val="FFFFFF"/>
-                </a:solidFill>
-              </a14:hiddenFill>
-            </a:ext>
-          </a:extLst>
-        </p:spPr>
-      </p:pic>
-    </p:spTree>
-    <p:extLst>
-      <p:ext uri="{BB962C8B-B14F-4D97-AF65-F5344CB8AC3E}">
-        <p14:creationId xmlns:p14="http://schemas.microsoft.com/office/powerpoint/2010/main" val="3797453840"/>
       </p:ext>
     </p:extLst>
   </p:cSld>
